--- a/MyBank Project/Documents/Final PPt.pptx
+++ b/MyBank Project/Documents/Final PPt.pptx
@@ -12,7 +12,9 @@
     <p:sldId id="260" r:id="rId6"/>
     <p:sldId id="258" r:id="rId7"/>
     <p:sldId id="259" r:id="rId8"/>
-    <p:sldId id="264" r:id="rId9"/>
+    <p:sldId id="267" r:id="rId9"/>
+    <p:sldId id="269" r:id="rId10"/>
+    <p:sldId id="264" r:id="rId11"/>
   </p:sldIdLst>
   <p:sldSz cx="12192000" cy="6858000"/>
   <p:notesSz cx="6858000" cy="9144000"/>
@@ -11850,6 +11852,692 @@
 </p:sld>
 </file>
 
+<file path=ppt/slides/slide10.xml><?xml version="1.0" encoding="utf-8"?>
+<p:sld xmlns:a="http://schemas.openxmlformats.org/drawingml/2006/main" xmlns:r="http://schemas.openxmlformats.org/officeDocument/2006/relationships" xmlns:p="http://schemas.openxmlformats.org/presentationml/2006/main">
+  <p:cSld>
+    <p:bg>
+      <p:bgPr>
+        <a:solidFill>
+          <a:schemeClr val="bg1"/>
+        </a:solidFill>
+        <a:effectLst/>
+      </p:bgPr>
+    </p:bg>
+    <p:spTree>
+      <p:nvGrpSpPr>
+        <p:cNvPr id="1" name=""/>
+        <p:cNvGrpSpPr/>
+        <p:nvPr/>
+      </p:nvGrpSpPr>
+      <p:grpSpPr>
+        <a:xfrm>
+          <a:off x="0" y="0"/>
+          <a:ext cx="0" cy="0"/>
+          <a:chOff x="0" y="0"/>
+          <a:chExt cx="0" cy="0"/>
+        </a:xfrm>
+      </p:grpSpPr>
+      <p:sp useBgFill="1">
+        <p:nvSpPr>
+          <p:cNvPr id="7" name="Rectangle 6">
+            <a:extLst>
+              <a:ext uri="{FF2B5EF4-FFF2-40B4-BE49-F238E27FC236}">
+                <a16:creationId xmlns:a16="http://schemas.microsoft.com/office/drawing/2014/main" id="{577D6B2E-37A3-429E-A37C-F30ED6487282}"/>
+              </a:ext>
+              <a:ext uri="{C183D7F6-B498-43B3-948B-1728B52AA6E4}">
+                <adec:decorative xmlns:adec="http://schemas.microsoft.com/office/drawing/2017/decorative" val="1"/>
+              </a:ext>
+            </a:extLst>
+          </p:cNvPr>
+          <p:cNvSpPr>
+            <a:spLocks noGrp="1" noRot="1" noChangeAspect="1" noMove="1" noResize="1" noEditPoints="1" noAdjustHandles="1" noChangeArrowheads="1" noChangeShapeType="1" noTextEdit="1"/>
+          </p:cNvSpPr>
+          <p:nvPr>
+            <p:extLst>
+              <p:ext uri="{386F3935-93C4-4BCD-93E2-E3B085C9AB24}">
+                <p16:designElem xmlns:p16="http://schemas.microsoft.com/office/powerpoint/2015/main" val="1"/>
+              </p:ext>
+            </p:extLst>
+          </p:nvPr>
+        </p:nvSpPr>
+        <p:spPr>
+          <a:xfrm>
+            <a:off x="0" y="0"/>
+            <a:ext cx="12192000" cy="6858000"/>
+          </a:xfrm>
+          <a:prstGeom prst="rect">
+            <a:avLst/>
+          </a:prstGeom>
+          <a:ln w="12700" cap="flat" cmpd="sng" algn="ctr">
+            <a:noFill/>
+            <a:prstDash val="solid"/>
+            <a:miter lim="800000"/>
+          </a:ln>
+          <a:effectLst/>
+          <a:extLst>
+            <a:ext uri="{91240B29-F687-4F45-9708-019B960494DF}">
+              <a14:hiddenLine xmlns:a14="http://schemas.microsoft.com/office/drawing/2010/main" w="12700" cap="flat" cmpd="sng" algn="ctr">
+                <a:solidFill>
+                  <a:schemeClr val="accent1">
+                    <a:shade val="50000"/>
+                  </a:schemeClr>
+                </a:solidFill>
+                <a:prstDash val="solid"/>
+                <a:miter lim="800000"/>
+              </a14:hiddenLine>
+            </a:ext>
+          </a:extLst>
+        </p:spPr>
+        <p:style>
+          <a:lnRef idx="2">
+            <a:schemeClr val="accent1">
+              <a:shade val="50000"/>
+            </a:schemeClr>
+          </a:lnRef>
+          <a:fillRef idx="1">
+            <a:schemeClr val="accent1"/>
+          </a:fillRef>
+          <a:effectRef idx="0">
+            <a:schemeClr val="accent1"/>
+          </a:effectRef>
+          <a:fontRef idx="minor">
+            <a:schemeClr val="lt1"/>
+          </a:fontRef>
+        </p:style>
+        <p:txBody>
+          <a:bodyPr rtlCol="0" anchor="ctr"/>
+          <a:lstStyle/>
+          <a:p>
+            <a:pPr algn="ctr"/>
+            <a:endParaRPr lang="en-US"/>
+          </a:p>
+        </p:txBody>
+      </p:sp>
+      <p:sp>
+        <p:nvSpPr>
+          <p:cNvPr id="9" name="Rectangle 8">
+            <a:extLst>
+              <a:ext uri="{FF2B5EF4-FFF2-40B4-BE49-F238E27FC236}">
+                <a16:creationId xmlns:a16="http://schemas.microsoft.com/office/drawing/2014/main" id="{5CEAD642-85CF-4750-8432-7C80C901F001}"/>
+              </a:ext>
+              <a:ext uri="{C183D7F6-B498-43B3-948B-1728B52AA6E4}">
+                <adec:decorative xmlns:adec="http://schemas.microsoft.com/office/drawing/2017/decorative" val="1"/>
+              </a:ext>
+            </a:extLst>
+          </p:cNvPr>
+          <p:cNvSpPr>
+            <a:spLocks noGrp="1" noRot="1" noChangeAspect="1" noMove="1" noResize="1" noEditPoints="1" noAdjustHandles="1" noChangeArrowheads="1" noChangeShapeType="1" noTextEdit="1"/>
+          </p:cNvSpPr>
+          <p:nvPr>
+            <p:extLst>
+              <p:ext uri="{386F3935-93C4-4BCD-93E2-E3B085C9AB24}">
+                <p16:designElem xmlns:p16="http://schemas.microsoft.com/office/powerpoint/2015/main" val="1"/>
+              </p:ext>
+            </p:extLst>
+          </p:nvPr>
+        </p:nvSpPr>
+        <p:spPr>
+          <a:xfrm rot="10800000">
+            <a:off x="-11723" y="-1"/>
+            <a:ext cx="12225953" cy="6868071"/>
+          </a:xfrm>
+          <a:prstGeom prst="rect">
+            <a:avLst/>
+          </a:prstGeom>
+          <a:gradFill>
+            <a:gsLst>
+              <a:gs pos="0">
+                <a:srgbClr val="000000"/>
+              </a:gs>
+              <a:gs pos="100000">
+                <a:schemeClr val="accent1">
+                  <a:lumMod val="75000"/>
+                </a:schemeClr>
+              </a:gs>
+            </a:gsLst>
+            <a:lin ang="4200000" scaled="0"/>
+          </a:gradFill>
+          <a:ln>
+            <a:noFill/>
+          </a:ln>
+        </p:spPr>
+        <p:style>
+          <a:lnRef idx="2">
+            <a:schemeClr val="accent1">
+              <a:shade val="50000"/>
+            </a:schemeClr>
+          </a:lnRef>
+          <a:fillRef idx="1">
+            <a:schemeClr val="accent1"/>
+          </a:fillRef>
+          <a:effectRef idx="0">
+            <a:schemeClr val="accent1"/>
+          </a:effectRef>
+          <a:fontRef idx="minor">
+            <a:schemeClr val="lt1"/>
+          </a:fontRef>
+        </p:style>
+        <p:txBody>
+          <a:bodyPr rtlCol="0" anchor="ctr"/>
+          <a:lstStyle/>
+          <a:p>
+            <a:pPr algn="ctr"/>
+            <a:endParaRPr lang="en-US"/>
+          </a:p>
+        </p:txBody>
+      </p:sp>
+      <p:sp>
+        <p:nvSpPr>
+          <p:cNvPr id="11" name="Rectangle 10">
+            <a:extLst>
+              <a:ext uri="{FF2B5EF4-FFF2-40B4-BE49-F238E27FC236}">
+                <a16:creationId xmlns:a16="http://schemas.microsoft.com/office/drawing/2014/main" id="{FA33EEAE-15D5-4119-8C1E-89D943F911EF}"/>
+              </a:ext>
+              <a:ext uri="{C183D7F6-B498-43B3-948B-1728B52AA6E4}">
+                <adec:decorative xmlns:adec="http://schemas.microsoft.com/office/drawing/2017/decorative" val="1"/>
+              </a:ext>
+            </a:extLst>
+          </p:cNvPr>
+          <p:cNvSpPr>
+            <a:spLocks noGrp="1" noRot="1" noChangeAspect="1" noMove="1" noResize="1" noEditPoints="1" noAdjustHandles="1" noChangeArrowheads="1" noChangeShapeType="1" noTextEdit="1"/>
+          </p:cNvSpPr>
+          <p:nvPr>
+            <p:extLst>
+              <p:ext uri="{386F3935-93C4-4BCD-93E2-E3B085C9AB24}">
+                <p16:designElem xmlns:p16="http://schemas.microsoft.com/office/powerpoint/2015/main" val="1"/>
+              </p:ext>
+            </p:extLst>
+          </p:nvPr>
+        </p:nvSpPr>
+        <p:spPr>
+          <a:xfrm rot="10800000" flipH="1">
+            <a:off x="441959" y="-3"/>
+            <a:ext cx="11772269" cy="6868074"/>
+          </a:xfrm>
+          <a:prstGeom prst="rect">
+            <a:avLst/>
+          </a:prstGeom>
+          <a:gradFill>
+            <a:gsLst>
+              <a:gs pos="21000">
+                <a:schemeClr val="accent1">
+                  <a:lumMod val="50000"/>
+                  <a:alpha val="83000"/>
+                </a:schemeClr>
+              </a:gs>
+              <a:gs pos="100000">
+                <a:schemeClr val="accent1">
+                  <a:alpha val="0"/>
+                </a:schemeClr>
+              </a:gs>
+            </a:gsLst>
+            <a:lin ang="8400000" scaled="0"/>
+          </a:gradFill>
+          <a:ln>
+            <a:noFill/>
+          </a:ln>
+        </p:spPr>
+        <p:style>
+          <a:lnRef idx="2">
+            <a:schemeClr val="accent1">
+              <a:shade val="50000"/>
+            </a:schemeClr>
+          </a:lnRef>
+          <a:fillRef idx="1">
+            <a:schemeClr val="accent1"/>
+          </a:fillRef>
+          <a:effectRef idx="0">
+            <a:schemeClr val="accent1"/>
+          </a:effectRef>
+          <a:fontRef idx="minor">
+            <a:schemeClr val="lt1"/>
+          </a:fontRef>
+        </p:style>
+        <p:txBody>
+          <a:bodyPr rtlCol="0" anchor="ctr"/>
+          <a:lstStyle/>
+          <a:p>
+            <a:pPr algn="ctr"/>
+            <a:endParaRPr lang="en-US"/>
+          </a:p>
+        </p:txBody>
+      </p:sp>
+      <p:sp>
+        <p:nvSpPr>
+          <p:cNvPr id="13" name="Rectangle 12">
+            <a:extLst>
+              <a:ext uri="{FF2B5EF4-FFF2-40B4-BE49-F238E27FC236}">
+                <a16:creationId xmlns:a16="http://schemas.microsoft.com/office/drawing/2014/main" id="{730D8B3B-9B80-4025-B934-26DC7D7CD231}"/>
+              </a:ext>
+              <a:ext uri="{C183D7F6-B498-43B3-948B-1728B52AA6E4}">
+                <adec:decorative xmlns:adec="http://schemas.microsoft.com/office/drawing/2017/decorative" val="1"/>
+              </a:ext>
+            </a:extLst>
+          </p:cNvPr>
+          <p:cNvSpPr>
+            <a:spLocks noGrp="1" noRot="1" noChangeAspect="1" noMove="1" noResize="1" noEditPoints="1" noAdjustHandles="1" noChangeArrowheads="1" noChangeShapeType="1" noTextEdit="1"/>
+          </p:cNvSpPr>
+          <p:nvPr>
+            <p:extLst>
+              <p:ext uri="{386F3935-93C4-4BCD-93E2-E3B085C9AB24}">
+                <p16:designElem xmlns:p16="http://schemas.microsoft.com/office/powerpoint/2015/main" val="1"/>
+              </p:ext>
+            </p:extLst>
+          </p:nvPr>
+        </p:nvSpPr>
+        <p:spPr>
+          <a:xfrm rot="10800000">
+            <a:off x="-15200" y="0"/>
+            <a:ext cx="3623374" cy="6868072"/>
+          </a:xfrm>
+          <a:prstGeom prst="rect">
+            <a:avLst/>
+          </a:prstGeom>
+          <a:gradFill>
+            <a:gsLst>
+              <a:gs pos="0">
+                <a:schemeClr val="accent1">
+                  <a:lumMod val="75000"/>
+                  <a:alpha val="0"/>
+                </a:schemeClr>
+              </a:gs>
+              <a:gs pos="99000">
+                <a:srgbClr val="000000">
+                  <a:alpha val="41000"/>
+                </a:srgbClr>
+              </a:gs>
+            </a:gsLst>
+            <a:lin ang="13200000" scaled="0"/>
+          </a:gradFill>
+          <a:ln>
+            <a:noFill/>
+          </a:ln>
+        </p:spPr>
+        <p:style>
+          <a:lnRef idx="2">
+            <a:schemeClr val="accent1">
+              <a:shade val="50000"/>
+            </a:schemeClr>
+          </a:lnRef>
+          <a:fillRef idx="1">
+            <a:schemeClr val="accent1"/>
+          </a:fillRef>
+          <a:effectRef idx="0">
+            <a:schemeClr val="accent1"/>
+          </a:effectRef>
+          <a:fontRef idx="minor">
+            <a:schemeClr val="lt1"/>
+          </a:fontRef>
+        </p:style>
+        <p:txBody>
+          <a:bodyPr rtlCol="0" anchor="ctr"/>
+          <a:lstStyle/>
+          <a:p>
+            <a:pPr algn="ctr"/>
+            <a:endParaRPr lang="en-US"/>
+          </a:p>
+        </p:txBody>
+      </p:sp>
+      <p:sp>
+        <p:nvSpPr>
+          <p:cNvPr id="15" name="Rectangle 14">
+            <a:extLst>
+              <a:ext uri="{FF2B5EF4-FFF2-40B4-BE49-F238E27FC236}">
+                <a16:creationId xmlns:a16="http://schemas.microsoft.com/office/drawing/2014/main" id="{1064D5D5-227B-4F66-9AEA-46F570E793BD}"/>
+              </a:ext>
+              <a:ext uri="{C183D7F6-B498-43B3-948B-1728B52AA6E4}">
+                <adec:decorative xmlns:adec="http://schemas.microsoft.com/office/drawing/2017/decorative" val="1"/>
+              </a:ext>
+            </a:extLst>
+          </p:cNvPr>
+          <p:cNvSpPr>
+            <a:spLocks noGrp="1" noRot="1" noChangeAspect="1" noMove="1" noResize="1" noEditPoints="1" noAdjustHandles="1" noChangeArrowheads="1" noChangeShapeType="1" noTextEdit="1"/>
+          </p:cNvSpPr>
+          <p:nvPr>
+            <p:extLst>
+              <p:ext uri="{386F3935-93C4-4BCD-93E2-E3B085C9AB24}">
+                <p16:designElem xmlns:p16="http://schemas.microsoft.com/office/powerpoint/2015/main" val="1"/>
+              </p:ext>
+            </p:extLst>
+          </p:nvPr>
+        </p:nvSpPr>
+        <p:spPr>
+          <a:xfrm flipH="1">
+            <a:off x="-15875" y="-3"/>
+            <a:ext cx="12233581" cy="6868076"/>
+          </a:xfrm>
+          <a:prstGeom prst="rect">
+            <a:avLst/>
+          </a:prstGeom>
+          <a:gradFill>
+            <a:gsLst>
+              <a:gs pos="3000">
+                <a:schemeClr val="accent1">
+                  <a:lumMod val="75000"/>
+                  <a:alpha val="0"/>
+                </a:schemeClr>
+              </a:gs>
+              <a:gs pos="100000">
+                <a:srgbClr val="000000">
+                  <a:alpha val="73000"/>
+                </a:srgbClr>
+              </a:gs>
+            </a:gsLst>
+            <a:lin ang="17400000" scaled="0"/>
+          </a:gradFill>
+          <a:ln>
+            <a:noFill/>
+          </a:ln>
+        </p:spPr>
+        <p:style>
+          <a:lnRef idx="2">
+            <a:schemeClr val="accent1">
+              <a:shade val="50000"/>
+            </a:schemeClr>
+          </a:lnRef>
+          <a:fillRef idx="1">
+            <a:schemeClr val="accent1"/>
+          </a:fillRef>
+          <a:effectRef idx="0">
+            <a:schemeClr val="accent1"/>
+          </a:effectRef>
+          <a:fontRef idx="minor">
+            <a:schemeClr val="lt1"/>
+          </a:fontRef>
+        </p:style>
+        <p:txBody>
+          <a:bodyPr rtlCol="0" anchor="ctr"/>
+          <a:lstStyle/>
+          <a:p>
+            <a:pPr algn="ctr"/>
+            <a:endParaRPr lang="en-US"/>
+          </a:p>
+        </p:txBody>
+      </p:sp>
+      <p:sp>
+        <p:nvSpPr>
+          <p:cNvPr id="17" name="Rectangle 16">
+            <a:extLst>
+              <a:ext uri="{FF2B5EF4-FFF2-40B4-BE49-F238E27FC236}">
+                <a16:creationId xmlns:a16="http://schemas.microsoft.com/office/drawing/2014/main" id="{646B67A4-D328-4747-A82B-65E84FA46368}"/>
+              </a:ext>
+              <a:ext uri="{C183D7F6-B498-43B3-948B-1728B52AA6E4}">
+                <adec:decorative xmlns:adec="http://schemas.microsoft.com/office/drawing/2017/decorative" val="1"/>
+              </a:ext>
+            </a:extLst>
+          </p:cNvPr>
+          <p:cNvSpPr>
+            <a:spLocks noGrp="1" noRot="1" noChangeAspect="1" noMove="1" noResize="1" noEditPoints="1" noAdjustHandles="1" noChangeArrowheads="1" noChangeShapeType="1" noTextEdit="1"/>
+          </p:cNvSpPr>
+          <p:nvPr>
+            <p:extLst>
+              <p:ext uri="{386F3935-93C4-4BCD-93E2-E3B085C9AB24}">
+                <p16:designElem xmlns:p16="http://schemas.microsoft.com/office/powerpoint/2015/main" val="1"/>
+              </p:ext>
+            </p:extLst>
+          </p:nvPr>
+        </p:nvSpPr>
+        <p:spPr>
+          <a:xfrm rot="5400000" flipH="1">
+            <a:off x="4484334" y="-861824"/>
+            <a:ext cx="6861931" cy="8597859"/>
+          </a:xfrm>
+          <a:prstGeom prst="rect">
+            <a:avLst/>
+          </a:prstGeom>
+          <a:gradFill>
+            <a:gsLst>
+              <a:gs pos="3000">
+                <a:schemeClr val="accent1">
+                  <a:lumMod val="75000"/>
+                  <a:alpha val="0"/>
+                </a:schemeClr>
+              </a:gs>
+              <a:gs pos="100000">
+                <a:srgbClr val="000000">
+                  <a:alpha val="27000"/>
+                </a:srgbClr>
+              </a:gs>
+            </a:gsLst>
+            <a:lin ang="13800000" scaled="0"/>
+          </a:gradFill>
+          <a:ln>
+            <a:noFill/>
+          </a:ln>
+        </p:spPr>
+        <p:style>
+          <a:lnRef idx="2">
+            <a:schemeClr val="accent1">
+              <a:shade val="50000"/>
+            </a:schemeClr>
+          </a:lnRef>
+          <a:fillRef idx="1">
+            <a:schemeClr val="accent1"/>
+          </a:fillRef>
+          <a:effectRef idx="0">
+            <a:schemeClr val="accent1"/>
+          </a:effectRef>
+          <a:fontRef idx="minor">
+            <a:schemeClr val="lt1"/>
+          </a:fontRef>
+        </p:style>
+        <p:txBody>
+          <a:bodyPr rtlCol="0" anchor="ctr"/>
+          <a:lstStyle/>
+          <a:p>
+            <a:pPr algn="ctr"/>
+            <a:endParaRPr lang="en-US"/>
+          </a:p>
+        </p:txBody>
+      </p:sp>
+      <p:sp>
+        <p:nvSpPr>
+          <p:cNvPr id="19" name="Oval 18">
+            <a:extLst>
+              <a:ext uri="{FF2B5EF4-FFF2-40B4-BE49-F238E27FC236}">
+                <a16:creationId xmlns:a16="http://schemas.microsoft.com/office/drawing/2014/main" id="{B5A1B09C-1565-46F8-B70F-621C5EB48A09}"/>
+              </a:ext>
+              <a:ext uri="{C183D7F6-B498-43B3-948B-1728B52AA6E4}">
+                <adec:decorative xmlns:adec="http://schemas.microsoft.com/office/drawing/2017/decorative" val="1"/>
+              </a:ext>
+            </a:extLst>
+          </p:cNvPr>
+          <p:cNvSpPr>
+            <a:spLocks noGrp="1" noRot="1" noChangeAspect="1" noMove="1" noResize="1" noEditPoints="1" noAdjustHandles="1" noChangeArrowheads="1" noChangeShapeType="1" noTextEdit="1"/>
+          </p:cNvSpPr>
+          <p:nvPr>
+            <p:extLst>
+              <p:ext uri="{386F3935-93C4-4BCD-93E2-E3B085C9AB24}">
+                <p16:designElem xmlns:p16="http://schemas.microsoft.com/office/powerpoint/2015/main" val="1"/>
+              </p:ext>
+            </p:extLst>
+          </p:nvPr>
+        </p:nvSpPr>
+        <p:spPr>
+          <a:xfrm rot="5993193">
+            <a:off x="1186972" y="1089049"/>
+            <a:ext cx="4967533" cy="4988390"/>
+          </a:xfrm>
+          <a:prstGeom prst="ellipse">
+            <a:avLst/>
+          </a:prstGeom>
+          <a:gradFill>
+            <a:gsLst>
+              <a:gs pos="0">
+                <a:schemeClr val="accent1">
+                  <a:alpha val="26000"/>
+                </a:schemeClr>
+              </a:gs>
+              <a:gs pos="85000">
+                <a:schemeClr val="accent1">
+                  <a:lumMod val="60000"/>
+                  <a:lumOff val="40000"/>
+                  <a:alpha val="0"/>
+                </a:schemeClr>
+              </a:gs>
+            </a:gsLst>
+            <a:lin ang="14400000" scaled="0"/>
+          </a:gradFill>
+          <a:ln>
+            <a:noFill/>
+          </a:ln>
+        </p:spPr>
+        <p:style>
+          <a:lnRef idx="2">
+            <a:schemeClr val="accent1">
+              <a:shade val="50000"/>
+            </a:schemeClr>
+          </a:lnRef>
+          <a:fillRef idx="1">
+            <a:schemeClr val="accent1"/>
+          </a:fillRef>
+          <a:effectRef idx="0">
+            <a:schemeClr val="accent1"/>
+          </a:effectRef>
+          <a:fontRef idx="minor">
+            <a:schemeClr val="lt1"/>
+          </a:fontRef>
+        </p:style>
+        <p:txBody>
+          <a:bodyPr rtlCol="0" anchor="ctr"/>
+          <a:lstStyle/>
+          <a:p>
+            <a:pPr algn="ctr"/>
+            <a:endParaRPr lang="en-US" dirty="0"/>
+          </a:p>
+        </p:txBody>
+      </p:sp>
+      <p:sp>
+        <p:nvSpPr>
+          <p:cNvPr id="2" name="Title 1">
+            <a:extLst>
+              <a:ext uri="{FF2B5EF4-FFF2-40B4-BE49-F238E27FC236}">
+                <a16:creationId xmlns:a16="http://schemas.microsoft.com/office/drawing/2014/main" id="{FBD7DF97-7323-9191-EDFB-D38F43C32CA9}"/>
+              </a:ext>
+            </a:extLst>
+          </p:cNvPr>
+          <p:cNvSpPr>
+            <a:spLocks noGrp="1"/>
+          </p:cNvSpPr>
+          <p:nvPr>
+            <p:ph type="title"/>
+          </p:nvPr>
+        </p:nvSpPr>
+        <p:spPr>
+          <a:xfrm>
+            <a:off x="4162567" y="818984"/>
+            <a:ext cx="6714699" cy="3178689"/>
+          </a:xfrm>
+        </p:spPr>
+        <p:txBody>
+          <a:bodyPr vert="horz" lIns="91440" tIns="45720" rIns="91440" bIns="45720" rtlCol="0" anchor="b">
+            <a:normAutofit/>
+          </a:bodyPr>
+          <a:lstStyle/>
+          <a:p>
+            <a:r>
+              <a:rPr lang="en-US" sz="4800" kern="1200" dirty="0">
+                <a:solidFill>
+                  <a:srgbClr val="FFFFFF"/>
+                </a:solidFill>
+                <a:latin typeface="+mj-lt"/>
+                <a:ea typeface="+mj-ea"/>
+                <a:cs typeface="+mj-cs"/>
+              </a:rPr>
+              <a:t>THANK YOU</a:t>
+            </a:r>
+          </a:p>
+        </p:txBody>
+      </p:sp>
+      <p:sp>
+        <p:nvSpPr>
+          <p:cNvPr id="21" name="Rectangle 20">
+            <a:extLst>
+              <a:ext uri="{FF2B5EF4-FFF2-40B4-BE49-F238E27FC236}">
+                <a16:creationId xmlns:a16="http://schemas.microsoft.com/office/drawing/2014/main" id="{8C516CC8-80AC-446C-A56E-9F54B7210402}"/>
+              </a:ext>
+              <a:ext uri="{C183D7F6-B498-43B3-948B-1728B52AA6E4}">
+                <adec:decorative xmlns:adec="http://schemas.microsoft.com/office/drawing/2017/decorative" val="1"/>
+              </a:ext>
+            </a:extLst>
+          </p:cNvPr>
+          <p:cNvSpPr>
+            <a:spLocks noGrp="1" noRot="1" noChangeAspect="1" noMove="1" noResize="1" noEditPoints="1" noAdjustHandles="1" noChangeArrowheads="1" noChangeShapeType="1" noTextEdit="1"/>
+          </p:cNvSpPr>
+          <p:nvPr>
+            <p:extLst>
+              <p:ext uri="{386F3935-93C4-4BCD-93E2-E3B085C9AB24}">
+                <p16:designElem xmlns:p16="http://schemas.microsoft.com/office/powerpoint/2015/main" val="1"/>
+              </p:ext>
+            </p:extLst>
+          </p:nvPr>
+        </p:nvSpPr>
+        <p:spPr>
+          <a:xfrm flipH="1">
+            <a:off x="-3" y="4490110"/>
+            <a:ext cx="12217710" cy="2377962"/>
+          </a:xfrm>
+          <a:prstGeom prst="rect">
+            <a:avLst/>
+          </a:prstGeom>
+          <a:gradFill>
+            <a:gsLst>
+              <a:gs pos="0">
+                <a:schemeClr val="accent1">
+                  <a:lumMod val="75000"/>
+                  <a:alpha val="50000"/>
+                </a:schemeClr>
+              </a:gs>
+              <a:gs pos="99000">
+                <a:srgbClr val="000000">
+                  <a:alpha val="34000"/>
+                </a:srgbClr>
+              </a:gs>
+            </a:gsLst>
+            <a:lin ang="13200000" scaled="0"/>
+          </a:gradFill>
+          <a:ln>
+            <a:noFill/>
+          </a:ln>
+        </p:spPr>
+        <p:style>
+          <a:lnRef idx="2">
+            <a:schemeClr val="accent1">
+              <a:shade val="50000"/>
+            </a:schemeClr>
+          </a:lnRef>
+          <a:fillRef idx="1">
+            <a:schemeClr val="accent1"/>
+          </a:fillRef>
+          <a:effectRef idx="0">
+            <a:schemeClr val="accent1"/>
+          </a:effectRef>
+          <a:fontRef idx="minor">
+            <a:schemeClr val="lt1"/>
+          </a:fontRef>
+        </p:style>
+        <p:txBody>
+          <a:bodyPr rtlCol="0" anchor="ctr"/>
+          <a:lstStyle/>
+          <a:p>
+            <a:pPr algn="ctr"/>
+            <a:endParaRPr lang="en-US"/>
+          </a:p>
+        </p:txBody>
+      </p:sp>
+    </p:spTree>
+    <p:extLst>
+      <p:ext uri="{BB962C8B-B14F-4D97-AF65-F5344CB8AC3E}">
+        <p14:creationId xmlns:p14="http://schemas.microsoft.com/office/powerpoint/2010/main" val="1976754"/>
+      </p:ext>
+    </p:extLst>
+  </p:cSld>
+  <p:clrMapOvr>
+    <a:masterClrMapping/>
+  </p:clrMapOvr>
+</p:sld>
+</file>
+
 <file path=ppt/slides/slide2.xml><?xml version="1.0" encoding="utf-8"?>
 <p:sld xmlns:a="http://schemas.openxmlformats.org/drawingml/2006/main" xmlns:r="http://schemas.openxmlformats.org/officeDocument/2006/relationships" xmlns:p="http://schemas.openxmlformats.org/presentationml/2006/main">
   <p:cSld>
@@ -15089,10 +15777,10 @@
       </p:grpSpPr>
       <p:sp useBgFill="1">
         <p:nvSpPr>
-          <p:cNvPr id="7" name="Rectangle 6">
+          <p:cNvPr id="8" name="Rectangle 7">
             <a:extLst>
               <a:ext uri="{FF2B5EF4-FFF2-40B4-BE49-F238E27FC236}">
-                <a16:creationId xmlns:a16="http://schemas.microsoft.com/office/drawing/2014/main" id="{577D6B2E-37A3-429E-A37C-F30ED6487282}"/>
+                <a16:creationId xmlns:a16="http://schemas.microsoft.com/office/drawing/2014/main" id="{1B15ED52-F352-441B-82BF-E0EA34836D08}"/>
               </a:ext>
               <a:ext uri="{C183D7F6-B498-43B3-948B-1728B52AA6E4}">
                 <adec:decorative xmlns:adec="http://schemas.microsoft.com/office/drawing/2017/decorative" val="1"/>
@@ -15165,10 +15853,10 @@
       </p:sp>
       <p:sp>
         <p:nvSpPr>
-          <p:cNvPr id="9" name="Rectangle 8">
+          <p:cNvPr id="10" name="Rectangle 9">
             <a:extLst>
               <a:ext uri="{FF2B5EF4-FFF2-40B4-BE49-F238E27FC236}">
-                <a16:creationId xmlns:a16="http://schemas.microsoft.com/office/drawing/2014/main" id="{5CEAD642-85CF-4750-8432-7C80C901F001}"/>
+                <a16:creationId xmlns:a16="http://schemas.microsoft.com/office/drawing/2014/main" id="{3B2E3793-BFE6-45A2-9B7B-E18844431C99}"/>
               </a:ext>
               <a:ext uri="{C183D7F6-B498-43B3-948B-1728B52AA6E4}">
                 <adec:decorative xmlns:adec="http://schemas.microsoft.com/office/drawing/2017/decorative" val="1"/>
@@ -15187,9 +15875,9 @@
           </p:nvPr>
         </p:nvSpPr>
         <p:spPr>
-          <a:xfrm rot="10800000">
-            <a:off x="-11723" y="-1"/>
-            <a:ext cx="12225953" cy="6868071"/>
+          <a:xfrm flipH="1">
+            <a:off x="-1" y="-1"/>
+            <a:ext cx="12191998" cy="1590742"/>
           </a:xfrm>
           <a:prstGeom prst="rect">
             <a:avLst/>
@@ -15202,82 +15890,6 @@
               <a:gs pos="100000">
                 <a:schemeClr val="accent1">
                   <a:lumMod val="75000"/>
-                </a:schemeClr>
-              </a:gs>
-            </a:gsLst>
-            <a:lin ang="4200000" scaled="0"/>
-          </a:gradFill>
-          <a:ln>
-            <a:noFill/>
-          </a:ln>
-        </p:spPr>
-        <p:style>
-          <a:lnRef idx="2">
-            <a:schemeClr val="accent1">
-              <a:shade val="50000"/>
-            </a:schemeClr>
-          </a:lnRef>
-          <a:fillRef idx="1">
-            <a:schemeClr val="accent1"/>
-          </a:fillRef>
-          <a:effectRef idx="0">
-            <a:schemeClr val="accent1"/>
-          </a:effectRef>
-          <a:fontRef idx="minor">
-            <a:schemeClr val="lt1"/>
-          </a:fontRef>
-        </p:style>
-        <p:txBody>
-          <a:bodyPr rtlCol="0" anchor="ctr"/>
-          <a:lstStyle/>
-          <a:p>
-            <a:pPr algn="ctr"/>
-            <a:endParaRPr lang="en-US"/>
-          </a:p>
-        </p:txBody>
-      </p:sp>
-      <p:sp>
-        <p:nvSpPr>
-          <p:cNvPr id="11" name="Rectangle 10">
-            <a:extLst>
-              <a:ext uri="{FF2B5EF4-FFF2-40B4-BE49-F238E27FC236}">
-                <a16:creationId xmlns:a16="http://schemas.microsoft.com/office/drawing/2014/main" id="{FA33EEAE-15D5-4119-8C1E-89D943F911EF}"/>
-              </a:ext>
-              <a:ext uri="{C183D7F6-B498-43B3-948B-1728B52AA6E4}">
-                <adec:decorative xmlns:adec="http://schemas.microsoft.com/office/drawing/2017/decorative" val="1"/>
-              </a:ext>
-            </a:extLst>
-          </p:cNvPr>
-          <p:cNvSpPr>
-            <a:spLocks noGrp="1" noRot="1" noChangeAspect="1" noMove="1" noResize="1" noEditPoints="1" noAdjustHandles="1" noChangeArrowheads="1" noChangeShapeType="1" noTextEdit="1"/>
-          </p:cNvSpPr>
-          <p:nvPr>
-            <p:extLst>
-              <p:ext uri="{386F3935-93C4-4BCD-93E2-E3B085C9AB24}">
-                <p16:designElem xmlns:p16="http://schemas.microsoft.com/office/powerpoint/2015/main" val="1"/>
-              </p:ext>
-            </p:extLst>
-          </p:nvPr>
-        </p:nvSpPr>
-        <p:spPr>
-          <a:xfrm rot="10800000" flipH="1">
-            <a:off x="441959" y="-3"/>
-            <a:ext cx="11772269" cy="6868074"/>
-          </a:xfrm>
-          <a:prstGeom prst="rect">
-            <a:avLst/>
-          </a:prstGeom>
-          <a:gradFill>
-            <a:gsLst>
-              <a:gs pos="21000">
-                <a:schemeClr val="accent1">
-                  <a:lumMod val="50000"/>
-                  <a:alpha val="83000"/>
-                </a:schemeClr>
-              </a:gs>
-              <a:gs pos="100000">
-                <a:schemeClr val="accent1">
-                  <a:alpha val="0"/>
                 </a:schemeClr>
               </a:gs>
             </a:gsLst>
@@ -15314,10 +15926,10 @@
       </p:sp>
       <p:sp>
         <p:nvSpPr>
-          <p:cNvPr id="13" name="Rectangle 12">
+          <p:cNvPr id="12" name="Rectangle 11">
             <a:extLst>
               <a:ext uri="{FF2B5EF4-FFF2-40B4-BE49-F238E27FC236}">
-                <a16:creationId xmlns:a16="http://schemas.microsoft.com/office/drawing/2014/main" id="{730D8B3B-9B80-4025-B934-26DC7D7CD231}"/>
+                <a16:creationId xmlns:a16="http://schemas.microsoft.com/office/drawing/2014/main" id="{BC4C4868-CB8F-4AF9-9CDB-8108F2C19B67}"/>
               </a:ext>
               <a:ext uri="{C183D7F6-B498-43B3-948B-1728B52AA6E4}">
                 <adec:decorative xmlns:adec="http://schemas.microsoft.com/office/drawing/2017/decorative" val="1"/>
@@ -15336,9 +15948,85 @@
           </p:nvPr>
         </p:nvSpPr>
         <p:spPr>
-          <a:xfrm rot="10800000">
-            <a:off x="-15200" y="0"/>
-            <a:ext cx="3623374" cy="6868072"/>
+          <a:xfrm rot="10800000" flipH="1">
+            <a:off x="-3" y="0"/>
+            <a:ext cx="8115306" cy="1590742"/>
+          </a:xfrm>
+          <a:prstGeom prst="rect">
+            <a:avLst/>
+          </a:prstGeom>
+          <a:gradFill>
+            <a:gsLst>
+              <a:gs pos="20000">
+                <a:schemeClr val="accent1">
+                  <a:alpha val="0"/>
+                </a:schemeClr>
+              </a:gs>
+              <a:gs pos="100000">
+                <a:schemeClr val="accent1">
+                  <a:lumMod val="50000"/>
+                  <a:alpha val="55000"/>
+                </a:schemeClr>
+              </a:gs>
+            </a:gsLst>
+            <a:lin ang="13800000" scaled="0"/>
+          </a:gradFill>
+          <a:ln>
+            <a:noFill/>
+          </a:ln>
+        </p:spPr>
+        <p:style>
+          <a:lnRef idx="2">
+            <a:schemeClr val="accent1">
+              <a:shade val="50000"/>
+            </a:schemeClr>
+          </a:lnRef>
+          <a:fillRef idx="1">
+            <a:schemeClr val="accent1"/>
+          </a:fillRef>
+          <a:effectRef idx="0">
+            <a:schemeClr val="accent1"/>
+          </a:effectRef>
+          <a:fontRef idx="minor">
+            <a:schemeClr val="lt1"/>
+          </a:fontRef>
+        </p:style>
+        <p:txBody>
+          <a:bodyPr rtlCol="0" anchor="ctr"/>
+          <a:lstStyle/>
+          <a:p>
+            <a:pPr algn="ctr"/>
+            <a:endParaRPr lang="en-US"/>
+          </a:p>
+        </p:txBody>
+      </p:sp>
+      <p:sp>
+        <p:nvSpPr>
+          <p:cNvPr id="14" name="Rectangle 13">
+            <a:extLst>
+              <a:ext uri="{FF2B5EF4-FFF2-40B4-BE49-F238E27FC236}">
+                <a16:creationId xmlns:a16="http://schemas.microsoft.com/office/drawing/2014/main" id="{375E0459-6403-40CD-989D-56A4407CA12E}"/>
+              </a:ext>
+              <a:ext uri="{C183D7F6-B498-43B3-948B-1728B52AA6E4}">
+                <adec:decorative xmlns:adec="http://schemas.microsoft.com/office/drawing/2017/decorative" val="1"/>
+              </a:ext>
+            </a:extLst>
+          </p:cNvPr>
+          <p:cNvSpPr>
+            <a:spLocks noGrp="1" noRot="1" noChangeAspect="1" noMove="1" noResize="1" noEditPoints="1" noAdjustHandles="1" noChangeArrowheads="1" noChangeShapeType="1" noTextEdit="1"/>
+          </p:cNvSpPr>
+          <p:nvPr>
+            <p:extLst>
+              <p:ext uri="{386F3935-93C4-4BCD-93E2-E3B085C9AB24}">
+                <p16:designElem xmlns:p16="http://schemas.microsoft.com/office/powerpoint/2015/main" val="1"/>
+              </p:ext>
+            </p:extLst>
+          </p:nvPr>
+        </p:nvSpPr>
+        <p:spPr>
+          <a:xfrm flipH="1">
+            <a:off x="8115299" y="-1"/>
+            <a:ext cx="4076698" cy="1590742"/>
           </a:xfrm>
           <a:prstGeom prst="rect">
             <a:avLst/>
@@ -15347,13 +16035,12 @@
             <a:gsLst>
               <a:gs pos="0">
                 <a:schemeClr val="accent1">
-                  <a:lumMod val="75000"/>
-                  <a:alpha val="0"/>
+                  <a:alpha val="66000"/>
                 </a:schemeClr>
               </a:gs>
-              <a:gs pos="99000">
+              <a:gs pos="100000">
                 <a:srgbClr val="000000">
-                  <a:alpha val="41000"/>
+                  <a:alpha val="30000"/>
                 </a:srgbClr>
               </a:gs>
             </a:gsLst>
@@ -15390,10 +16077,10 @@
       </p:sp>
       <p:sp>
         <p:nvSpPr>
-          <p:cNvPr id="15" name="Rectangle 14">
+          <p:cNvPr id="16" name="Rectangle 15">
             <a:extLst>
               <a:ext uri="{FF2B5EF4-FFF2-40B4-BE49-F238E27FC236}">
-                <a16:creationId xmlns:a16="http://schemas.microsoft.com/office/drawing/2014/main" id="{1064D5D5-227B-4F66-9AEA-46F570E793BD}"/>
+                <a16:creationId xmlns:a16="http://schemas.microsoft.com/office/drawing/2014/main" id="{53E5B1A8-3AC9-4BD1-9BBC-78CA94F2D1BA}"/>
               </a:ext>
               <a:ext uri="{C183D7F6-B498-43B3-948B-1728B52AA6E4}">
                 <adec:decorative xmlns:adec="http://schemas.microsoft.com/office/drawing/2017/decorative" val="1"/>
@@ -15412,28 +16099,28 @@
           </p:nvPr>
         </p:nvSpPr>
         <p:spPr>
-          <a:xfrm flipH="1">
-            <a:off x="-15875" y="-3"/>
-            <a:ext cx="12233581" cy="6868076"/>
+          <a:xfrm>
+            <a:off x="459350" y="-1"/>
+            <a:ext cx="11732646" cy="1597433"/>
           </a:xfrm>
           <a:prstGeom prst="rect">
             <a:avLst/>
           </a:prstGeom>
           <a:gradFill>
             <a:gsLst>
-              <a:gs pos="3000">
+              <a:gs pos="50000">
+                <a:srgbClr val="000000">
+                  <a:alpha val="0"/>
+                </a:srgbClr>
+              </a:gs>
+              <a:gs pos="99000">
                 <a:schemeClr val="accent1">
-                  <a:lumMod val="75000"/>
-                  <a:alpha val="0"/>
+                  <a:lumMod val="50000"/>
+                  <a:alpha val="52000"/>
                 </a:schemeClr>
               </a:gs>
-              <a:gs pos="100000">
-                <a:srgbClr val="000000">
-                  <a:alpha val="73000"/>
-                </a:srgbClr>
-              </a:gs>
             </a:gsLst>
-            <a:lin ang="17400000" scaled="0"/>
+            <a:lin ang="16800000" scaled="0"/>
           </a:gradFill>
           <a:ln>
             <a:noFill/>
@@ -15466,10 +16153,146 @@
       </p:sp>
       <p:sp>
         <p:nvSpPr>
-          <p:cNvPr id="17" name="Rectangle 16">
+          <p:cNvPr id="2" name="Title 1">
             <a:extLst>
               <a:ext uri="{FF2B5EF4-FFF2-40B4-BE49-F238E27FC236}">
-                <a16:creationId xmlns:a16="http://schemas.microsoft.com/office/drawing/2014/main" id="{646B67A4-D328-4747-A82B-65E84FA46368}"/>
+                <a16:creationId xmlns:a16="http://schemas.microsoft.com/office/drawing/2014/main" id="{F2D1F912-9BB0-5C65-5051-E30B9EB60FB5}"/>
+              </a:ext>
+            </a:extLst>
+          </p:cNvPr>
+          <p:cNvSpPr>
+            <a:spLocks noGrp="1"/>
+          </p:cNvSpPr>
+          <p:nvPr>
+            <p:ph type="title"/>
+          </p:nvPr>
+        </p:nvSpPr>
+        <p:spPr>
+          <a:xfrm>
+            <a:off x="1371599" y="294538"/>
+            <a:ext cx="9895951" cy="1033669"/>
+          </a:xfrm>
+        </p:spPr>
+        <p:txBody>
+          <a:bodyPr>
+            <a:normAutofit/>
+          </a:bodyPr>
+          <a:lstStyle/>
+          <a:p>
+            <a:r>
+              <a:rPr lang="en-US" sz="4000" dirty="0">
+                <a:solidFill>
+                  <a:srgbClr val="FFFFFF"/>
+                </a:solidFill>
+              </a:rPr>
+              <a:t>Jar File</a:t>
+            </a:r>
+          </a:p>
+        </p:txBody>
+      </p:sp>
+      <p:pic>
+        <p:nvPicPr>
+          <p:cNvPr id="5" name="Content Placeholder 4">
+            <a:extLst>
+              <a:ext uri="{FF2B5EF4-FFF2-40B4-BE49-F238E27FC236}">
+                <a16:creationId xmlns:a16="http://schemas.microsoft.com/office/drawing/2014/main" id="{934D5AD2-4E30-8B8A-9C24-A29A0F9AD325}"/>
+              </a:ext>
+            </a:extLst>
+          </p:cNvPr>
+          <p:cNvPicPr>
+            <a:picLocks noGrp="1" noChangeAspect="1"/>
+          </p:cNvPicPr>
+          <p:nvPr>
+            <p:ph idx="1"/>
+          </p:nvPr>
+        </p:nvPicPr>
+        <p:blipFill>
+          <a:blip r:embed="rId2"/>
+          <a:stretch>
+            <a:fillRect/>
+          </a:stretch>
+        </p:blipFill>
+        <p:spPr>
+          <a:xfrm>
+            <a:off x="628648" y="2126756"/>
+            <a:ext cx="5979910" cy="1333499"/>
+          </a:xfrm>
+        </p:spPr>
+      </p:pic>
+      <p:pic>
+        <p:nvPicPr>
+          <p:cNvPr id="11" name="Picture 10">
+            <a:extLst>
+              <a:ext uri="{FF2B5EF4-FFF2-40B4-BE49-F238E27FC236}">
+                <a16:creationId xmlns:a16="http://schemas.microsoft.com/office/drawing/2014/main" id="{9BD6D271-A949-DA1C-2D61-F0BF01D775CC}"/>
+              </a:ext>
+            </a:extLst>
+          </p:cNvPr>
+          <p:cNvPicPr>
+            <a:picLocks noChangeAspect="1"/>
+          </p:cNvPicPr>
+          <p:nvPr/>
+        </p:nvPicPr>
+        <p:blipFill>
+          <a:blip r:embed="rId3"/>
+          <a:stretch>
+            <a:fillRect/>
+          </a:stretch>
+        </p:blipFill>
+        <p:spPr>
+          <a:xfrm>
+            <a:off x="4723676" y="3875282"/>
+            <a:ext cx="6286500" cy="1333500"/>
+          </a:xfrm>
+          <a:prstGeom prst="rect">
+            <a:avLst/>
+          </a:prstGeom>
+        </p:spPr>
+      </p:pic>
+    </p:spTree>
+    <p:extLst>
+      <p:ext uri="{BB962C8B-B14F-4D97-AF65-F5344CB8AC3E}">
+        <p14:creationId xmlns:p14="http://schemas.microsoft.com/office/powerpoint/2010/main" val="3041837947"/>
+      </p:ext>
+    </p:extLst>
+  </p:cSld>
+  <p:clrMapOvr>
+    <a:masterClrMapping/>
+  </p:clrMapOvr>
+</p:sld>
+</file>
+
+<file path=ppt/slides/slide9.xml><?xml version="1.0" encoding="utf-8"?>
+<p:sld xmlns:a="http://schemas.openxmlformats.org/drawingml/2006/main" xmlns:r="http://schemas.openxmlformats.org/officeDocument/2006/relationships" xmlns:p="http://schemas.openxmlformats.org/presentationml/2006/main">
+  <p:cSld>
+    <p:bg>
+      <p:bgPr>
+        <a:solidFill>
+          <a:schemeClr val="bg1"/>
+        </a:solidFill>
+        <a:effectLst/>
+      </p:bgPr>
+    </p:bg>
+    <p:spTree>
+      <p:nvGrpSpPr>
+        <p:cNvPr id="1" name=""/>
+        <p:cNvGrpSpPr/>
+        <p:nvPr/>
+      </p:nvGrpSpPr>
+      <p:grpSpPr>
+        <a:xfrm>
+          <a:off x="0" y="0"/>
+          <a:ext cx="0" cy="0"/>
+          <a:chOff x="0" y="0"/>
+          <a:chExt cx="0" cy="0"/>
+        </a:xfrm>
+      </p:grpSpPr>
+      <p:sp useBgFill="1">
+        <p:nvSpPr>
+          <p:cNvPr id="8" name="Rectangle 7">
+            <a:extLst>
+              <a:ext uri="{FF2B5EF4-FFF2-40B4-BE49-F238E27FC236}">
+                <a16:creationId xmlns:a16="http://schemas.microsoft.com/office/drawing/2014/main" id="{1B15ED52-F352-441B-82BF-E0EA34836D08}"/>
               </a:ext>
               <a:ext uri="{C183D7F6-B498-43B3-948B-1728B52AA6E4}">
                 <adec:decorative xmlns:adec="http://schemas.microsoft.com/office/drawing/2017/decorative" val="1"/>
@@ -15488,25 +16311,174 @@
           </p:nvPr>
         </p:nvSpPr>
         <p:spPr>
-          <a:xfrm rot="5400000" flipH="1">
-            <a:off x="4484334" y="-861824"/>
-            <a:ext cx="6861931" cy="8597859"/>
+          <a:xfrm>
+            <a:off x="0" y="0"/>
+            <a:ext cx="12192000" cy="6858000"/>
+          </a:xfrm>
+          <a:prstGeom prst="rect">
+            <a:avLst/>
+          </a:prstGeom>
+          <a:ln w="12700" cap="flat" cmpd="sng" algn="ctr">
+            <a:noFill/>
+            <a:prstDash val="solid"/>
+            <a:miter lim="800000"/>
+          </a:ln>
+          <a:effectLst/>
+          <a:extLst>
+            <a:ext uri="{91240B29-F687-4F45-9708-019B960494DF}">
+              <a14:hiddenLine xmlns:a14="http://schemas.microsoft.com/office/drawing/2010/main" w="12700" cap="flat" cmpd="sng" algn="ctr">
+                <a:solidFill>
+                  <a:schemeClr val="accent1">
+                    <a:shade val="50000"/>
+                  </a:schemeClr>
+                </a:solidFill>
+                <a:prstDash val="solid"/>
+                <a:miter lim="800000"/>
+              </a14:hiddenLine>
+            </a:ext>
+          </a:extLst>
+        </p:spPr>
+        <p:style>
+          <a:lnRef idx="2">
+            <a:schemeClr val="accent1">
+              <a:shade val="50000"/>
+            </a:schemeClr>
+          </a:lnRef>
+          <a:fillRef idx="1">
+            <a:schemeClr val="accent1"/>
+          </a:fillRef>
+          <a:effectRef idx="0">
+            <a:schemeClr val="accent1"/>
+          </a:effectRef>
+          <a:fontRef idx="minor">
+            <a:schemeClr val="lt1"/>
+          </a:fontRef>
+        </p:style>
+        <p:txBody>
+          <a:bodyPr rtlCol="0" anchor="ctr"/>
+          <a:lstStyle/>
+          <a:p>
+            <a:pPr algn="ctr"/>
+            <a:endParaRPr lang="en-US"/>
+          </a:p>
+        </p:txBody>
+      </p:sp>
+      <p:sp>
+        <p:nvSpPr>
+          <p:cNvPr id="10" name="Rectangle 9">
+            <a:extLst>
+              <a:ext uri="{FF2B5EF4-FFF2-40B4-BE49-F238E27FC236}">
+                <a16:creationId xmlns:a16="http://schemas.microsoft.com/office/drawing/2014/main" id="{3B2E3793-BFE6-45A2-9B7B-E18844431C99}"/>
+              </a:ext>
+              <a:ext uri="{C183D7F6-B498-43B3-948B-1728B52AA6E4}">
+                <adec:decorative xmlns:adec="http://schemas.microsoft.com/office/drawing/2017/decorative" val="1"/>
+              </a:ext>
+            </a:extLst>
+          </p:cNvPr>
+          <p:cNvSpPr>
+            <a:spLocks noGrp="1" noRot="1" noChangeAspect="1" noMove="1" noResize="1" noEditPoints="1" noAdjustHandles="1" noChangeArrowheads="1" noChangeShapeType="1" noTextEdit="1"/>
+          </p:cNvSpPr>
+          <p:nvPr>
+            <p:extLst>
+              <p:ext uri="{386F3935-93C4-4BCD-93E2-E3B085C9AB24}">
+                <p16:designElem xmlns:p16="http://schemas.microsoft.com/office/powerpoint/2015/main" val="1"/>
+              </p:ext>
+            </p:extLst>
+          </p:nvPr>
+        </p:nvSpPr>
+        <p:spPr>
+          <a:xfrm flipH="1">
+            <a:off x="-1" y="-1"/>
+            <a:ext cx="12191998" cy="1590742"/>
           </a:xfrm>
           <a:prstGeom prst="rect">
             <a:avLst/>
           </a:prstGeom>
           <a:gradFill>
             <a:gsLst>
-              <a:gs pos="3000">
+              <a:gs pos="0">
+                <a:srgbClr val="000000"/>
+              </a:gs>
+              <a:gs pos="100000">
                 <a:schemeClr val="accent1">
                   <a:lumMod val="75000"/>
+                </a:schemeClr>
+              </a:gs>
+            </a:gsLst>
+            <a:lin ang="8400000" scaled="0"/>
+          </a:gradFill>
+          <a:ln>
+            <a:noFill/>
+          </a:ln>
+        </p:spPr>
+        <p:style>
+          <a:lnRef idx="2">
+            <a:schemeClr val="accent1">
+              <a:shade val="50000"/>
+            </a:schemeClr>
+          </a:lnRef>
+          <a:fillRef idx="1">
+            <a:schemeClr val="accent1"/>
+          </a:fillRef>
+          <a:effectRef idx="0">
+            <a:schemeClr val="accent1"/>
+          </a:effectRef>
+          <a:fontRef idx="minor">
+            <a:schemeClr val="lt1"/>
+          </a:fontRef>
+        </p:style>
+        <p:txBody>
+          <a:bodyPr rtlCol="0" anchor="ctr"/>
+          <a:lstStyle/>
+          <a:p>
+            <a:pPr algn="ctr"/>
+            <a:endParaRPr lang="en-US"/>
+          </a:p>
+        </p:txBody>
+      </p:sp>
+      <p:sp>
+        <p:nvSpPr>
+          <p:cNvPr id="12" name="Rectangle 11">
+            <a:extLst>
+              <a:ext uri="{FF2B5EF4-FFF2-40B4-BE49-F238E27FC236}">
+                <a16:creationId xmlns:a16="http://schemas.microsoft.com/office/drawing/2014/main" id="{BC4C4868-CB8F-4AF9-9CDB-8108F2C19B67}"/>
+              </a:ext>
+              <a:ext uri="{C183D7F6-B498-43B3-948B-1728B52AA6E4}">
+                <adec:decorative xmlns:adec="http://schemas.microsoft.com/office/drawing/2017/decorative" val="1"/>
+              </a:ext>
+            </a:extLst>
+          </p:cNvPr>
+          <p:cNvSpPr>
+            <a:spLocks noGrp="1" noRot="1" noChangeAspect="1" noMove="1" noResize="1" noEditPoints="1" noAdjustHandles="1" noChangeArrowheads="1" noChangeShapeType="1" noTextEdit="1"/>
+          </p:cNvSpPr>
+          <p:nvPr>
+            <p:extLst>
+              <p:ext uri="{386F3935-93C4-4BCD-93E2-E3B085C9AB24}">
+                <p16:designElem xmlns:p16="http://schemas.microsoft.com/office/powerpoint/2015/main" val="1"/>
+              </p:ext>
+            </p:extLst>
+          </p:nvPr>
+        </p:nvSpPr>
+        <p:spPr>
+          <a:xfrm rot="10800000" flipH="1">
+            <a:off x="-3" y="0"/>
+            <a:ext cx="8115306" cy="1590742"/>
+          </a:xfrm>
+          <a:prstGeom prst="rect">
+            <a:avLst/>
+          </a:prstGeom>
+          <a:gradFill>
+            <a:gsLst>
+              <a:gs pos="20000">
+                <a:schemeClr val="accent1">
                   <a:alpha val="0"/>
                 </a:schemeClr>
               </a:gs>
               <a:gs pos="100000">
-                <a:srgbClr val="000000">
-                  <a:alpha val="27000"/>
-                </a:srgbClr>
+                <a:schemeClr val="accent1">
+                  <a:lumMod val="50000"/>
+                  <a:alpha val="55000"/>
+                </a:schemeClr>
               </a:gs>
             </a:gsLst>
             <a:lin ang="13800000" scaled="0"/>
@@ -15542,129 +16514,10 @@
       </p:sp>
       <p:sp>
         <p:nvSpPr>
-          <p:cNvPr id="19" name="Oval 18">
+          <p:cNvPr id="14" name="Rectangle 13">
             <a:extLst>
               <a:ext uri="{FF2B5EF4-FFF2-40B4-BE49-F238E27FC236}">
-                <a16:creationId xmlns:a16="http://schemas.microsoft.com/office/drawing/2014/main" id="{B5A1B09C-1565-46F8-B70F-621C5EB48A09}"/>
-              </a:ext>
-              <a:ext uri="{C183D7F6-B498-43B3-948B-1728B52AA6E4}">
-                <adec:decorative xmlns:adec="http://schemas.microsoft.com/office/drawing/2017/decorative" val="1"/>
-              </a:ext>
-            </a:extLst>
-          </p:cNvPr>
-          <p:cNvSpPr>
-            <a:spLocks noGrp="1" noRot="1" noChangeAspect="1" noMove="1" noResize="1" noEditPoints="1" noAdjustHandles="1" noChangeArrowheads="1" noChangeShapeType="1" noTextEdit="1"/>
-          </p:cNvSpPr>
-          <p:nvPr>
-            <p:extLst>
-              <p:ext uri="{386F3935-93C4-4BCD-93E2-E3B085C9AB24}">
-                <p16:designElem xmlns:p16="http://schemas.microsoft.com/office/powerpoint/2015/main" val="1"/>
-              </p:ext>
-            </p:extLst>
-          </p:nvPr>
-        </p:nvSpPr>
-        <p:spPr>
-          <a:xfrm rot="5993193">
-            <a:off x="1186972" y="1089049"/>
-            <a:ext cx="4967533" cy="4988390"/>
-          </a:xfrm>
-          <a:prstGeom prst="ellipse">
-            <a:avLst/>
-          </a:prstGeom>
-          <a:gradFill>
-            <a:gsLst>
-              <a:gs pos="0">
-                <a:schemeClr val="accent1">
-                  <a:alpha val="26000"/>
-                </a:schemeClr>
-              </a:gs>
-              <a:gs pos="85000">
-                <a:schemeClr val="accent1">
-                  <a:lumMod val="60000"/>
-                  <a:lumOff val="40000"/>
-                  <a:alpha val="0"/>
-                </a:schemeClr>
-              </a:gs>
-            </a:gsLst>
-            <a:lin ang="14400000" scaled="0"/>
-          </a:gradFill>
-          <a:ln>
-            <a:noFill/>
-          </a:ln>
-        </p:spPr>
-        <p:style>
-          <a:lnRef idx="2">
-            <a:schemeClr val="accent1">
-              <a:shade val="50000"/>
-            </a:schemeClr>
-          </a:lnRef>
-          <a:fillRef idx="1">
-            <a:schemeClr val="accent1"/>
-          </a:fillRef>
-          <a:effectRef idx="0">
-            <a:schemeClr val="accent1"/>
-          </a:effectRef>
-          <a:fontRef idx="minor">
-            <a:schemeClr val="lt1"/>
-          </a:fontRef>
-        </p:style>
-        <p:txBody>
-          <a:bodyPr rtlCol="0" anchor="ctr"/>
-          <a:lstStyle/>
-          <a:p>
-            <a:pPr algn="ctr"/>
-            <a:endParaRPr lang="en-US" dirty="0"/>
-          </a:p>
-        </p:txBody>
-      </p:sp>
-      <p:sp>
-        <p:nvSpPr>
-          <p:cNvPr id="2" name="Title 1">
-            <a:extLst>
-              <a:ext uri="{FF2B5EF4-FFF2-40B4-BE49-F238E27FC236}">
-                <a16:creationId xmlns:a16="http://schemas.microsoft.com/office/drawing/2014/main" id="{FBD7DF97-7323-9191-EDFB-D38F43C32CA9}"/>
-              </a:ext>
-            </a:extLst>
-          </p:cNvPr>
-          <p:cNvSpPr>
-            <a:spLocks noGrp="1"/>
-          </p:cNvSpPr>
-          <p:nvPr>
-            <p:ph type="title"/>
-          </p:nvPr>
-        </p:nvSpPr>
-        <p:spPr>
-          <a:xfrm>
-            <a:off x="4162567" y="818984"/>
-            <a:ext cx="6714699" cy="3178689"/>
-          </a:xfrm>
-        </p:spPr>
-        <p:txBody>
-          <a:bodyPr vert="horz" lIns="91440" tIns="45720" rIns="91440" bIns="45720" rtlCol="0" anchor="b">
-            <a:normAutofit/>
-          </a:bodyPr>
-          <a:lstStyle/>
-          <a:p>
-            <a:r>
-              <a:rPr lang="en-US" sz="4800" kern="1200" dirty="0">
-                <a:solidFill>
-                  <a:srgbClr val="FFFFFF"/>
-                </a:solidFill>
-                <a:latin typeface="+mj-lt"/>
-                <a:ea typeface="+mj-ea"/>
-                <a:cs typeface="+mj-cs"/>
-              </a:rPr>
-              <a:t>THANK YOU</a:t>
-            </a:r>
-          </a:p>
-        </p:txBody>
-      </p:sp>
-      <p:sp>
-        <p:nvSpPr>
-          <p:cNvPr id="21" name="Rectangle 20">
-            <a:extLst>
-              <a:ext uri="{FF2B5EF4-FFF2-40B4-BE49-F238E27FC236}">
-                <a16:creationId xmlns:a16="http://schemas.microsoft.com/office/drawing/2014/main" id="{8C516CC8-80AC-446C-A56E-9F54B7210402}"/>
+                <a16:creationId xmlns:a16="http://schemas.microsoft.com/office/drawing/2014/main" id="{375E0459-6403-40CD-989D-56A4407CA12E}"/>
               </a:ext>
               <a:ext uri="{C183D7F6-B498-43B3-948B-1728B52AA6E4}">
                 <adec:decorative xmlns:adec="http://schemas.microsoft.com/office/drawing/2017/decorative" val="1"/>
@@ -15684,8 +16537,8 @@
         </p:nvSpPr>
         <p:spPr>
           <a:xfrm flipH="1">
-            <a:off x="-3" y="4490110"/>
-            <a:ext cx="12217710" cy="2377962"/>
+            <a:off x="8115299" y="-1"/>
+            <a:ext cx="4076698" cy="1590742"/>
           </a:xfrm>
           <a:prstGeom prst="rect">
             <a:avLst/>
@@ -15694,13 +16547,12 @@
             <a:gsLst>
               <a:gs pos="0">
                 <a:schemeClr val="accent1">
-                  <a:lumMod val="75000"/>
-                  <a:alpha val="50000"/>
+                  <a:alpha val="66000"/>
                 </a:schemeClr>
               </a:gs>
-              <a:gs pos="99000">
+              <a:gs pos="100000">
                 <a:srgbClr val="000000">
-                  <a:alpha val="34000"/>
+                  <a:alpha val="30000"/>
                 </a:srgbClr>
               </a:gs>
             </a:gsLst>
@@ -15735,10 +16587,175 @@
           </a:p>
         </p:txBody>
       </p:sp>
+      <p:sp>
+        <p:nvSpPr>
+          <p:cNvPr id="16" name="Rectangle 15">
+            <a:extLst>
+              <a:ext uri="{FF2B5EF4-FFF2-40B4-BE49-F238E27FC236}">
+                <a16:creationId xmlns:a16="http://schemas.microsoft.com/office/drawing/2014/main" id="{53E5B1A8-3AC9-4BD1-9BBC-78CA94F2D1BA}"/>
+              </a:ext>
+              <a:ext uri="{C183D7F6-B498-43B3-948B-1728B52AA6E4}">
+                <adec:decorative xmlns:adec="http://schemas.microsoft.com/office/drawing/2017/decorative" val="1"/>
+              </a:ext>
+            </a:extLst>
+          </p:cNvPr>
+          <p:cNvSpPr>
+            <a:spLocks noGrp="1" noRot="1" noChangeAspect="1" noMove="1" noResize="1" noEditPoints="1" noAdjustHandles="1" noChangeArrowheads="1" noChangeShapeType="1" noTextEdit="1"/>
+          </p:cNvSpPr>
+          <p:nvPr>
+            <p:extLst>
+              <p:ext uri="{386F3935-93C4-4BCD-93E2-E3B085C9AB24}">
+                <p16:designElem xmlns:p16="http://schemas.microsoft.com/office/powerpoint/2015/main" val="1"/>
+              </p:ext>
+            </p:extLst>
+          </p:nvPr>
+        </p:nvSpPr>
+        <p:spPr>
+          <a:xfrm>
+            <a:off x="459350" y="-1"/>
+            <a:ext cx="11732646" cy="1597433"/>
+          </a:xfrm>
+          <a:prstGeom prst="rect">
+            <a:avLst/>
+          </a:prstGeom>
+          <a:gradFill>
+            <a:gsLst>
+              <a:gs pos="50000">
+                <a:srgbClr val="000000">
+                  <a:alpha val="0"/>
+                </a:srgbClr>
+              </a:gs>
+              <a:gs pos="99000">
+                <a:schemeClr val="accent1">
+                  <a:lumMod val="50000"/>
+                  <a:alpha val="52000"/>
+                </a:schemeClr>
+              </a:gs>
+            </a:gsLst>
+            <a:lin ang="16800000" scaled="0"/>
+          </a:gradFill>
+          <a:ln>
+            <a:noFill/>
+          </a:ln>
+        </p:spPr>
+        <p:style>
+          <a:lnRef idx="2">
+            <a:schemeClr val="accent1">
+              <a:shade val="50000"/>
+            </a:schemeClr>
+          </a:lnRef>
+          <a:fillRef idx="1">
+            <a:schemeClr val="accent1"/>
+          </a:fillRef>
+          <a:effectRef idx="0">
+            <a:schemeClr val="accent1"/>
+          </a:effectRef>
+          <a:fontRef idx="minor">
+            <a:schemeClr val="lt1"/>
+          </a:fontRef>
+        </p:style>
+        <p:txBody>
+          <a:bodyPr rtlCol="0" anchor="ctr"/>
+          <a:lstStyle/>
+          <a:p>
+            <a:pPr algn="ctr"/>
+            <a:endParaRPr lang="en-US"/>
+          </a:p>
+        </p:txBody>
+      </p:sp>
+      <p:sp>
+        <p:nvSpPr>
+          <p:cNvPr id="2" name="Title 1">
+            <a:extLst>
+              <a:ext uri="{FF2B5EF4-FFF2-40B4-BE49-F238E27FC236}">
+                <a16:creationId xmlns:a16="http://schemas.microsoft.com/office/drawing/2014/main" id="{F2D1F912-9BB0-5C65-5051-E30B9EB60FB5}"/>
+              </a:ext>
+            </a:extLst>
+          </p:cNvPr>
+          <p:cNvSpPr>
+            <a:spLocks noGrp="1"/>
+          </p:cNvSpPr>
+          <p:nvPr>
+            <p:ph type="title"/>
+          </p:nvPr>
+        </p:nvSpPr>
+        <p:spPr>
+          <a:xfrm>
+            <a:off x="1371599" y="294538"/>
+            <a:ext cx="9895951" cy="1033669"/>
+          </a:xfrm>
+        </p:spPr>
+        <p:txBody>
+          <a:bodyPr>
+            <a:normAutofit/>
+          </a:bodyPr>
+          <a:lstStyle/>
+          <a:p>
+            <a:r>
+              <a:rPr lang="en-US" sz="4000">
+                <a:solidFill>
+                  <a:srgbClr val="FFFFFF"/>
+                </a:solidFill>
+              </a:rPr>
+              <a:t>GitHub Link</a:t>
+            </a:r>
+          </a:p>
+        </p:txBody>
+      </p:sp>
+      <p:sp>
+        <p:nvSpPr>
+          <p:cNvPr id="3" name="Content Placeholder 2">
+            <a:extLst>
+              <a:ext uri="{FF2B5EF4-FFF2-40B4-BE49-F238E27FC236}">
+                <a16:creationId xmlns:a16="http://schemas.microsoft.com/office/drawing/2014/main" id="{09C667BE-C3F4-5004-E2F9-572E79F335B4}"/>
+              </a:ext>
+            </a:extLst>
+          </p:cNvPr>
+          <p:cNvSpPr>
+            <a:spLocks noGrp="1"/>
+          </p:cNvSpPr>
+          <p:nvPr>
+            <p:ph idx="1"/>
+          </p:nvPr>
+        </p:nvSpPr>
+        <p:spPr>
+          <a:xfrm>
+            <a:off x="1371599" y="2318197"/>
+            <a:ext cx="9724031" cy="3683358"/>
+          </a:xfrm>
+        </p:spPr>
+        <p:txBody>
+          <a:bodyPr anchor="ctr">
+            <a:normAutofit/>
+          </a:bodyPr>
+          <a:lstStyle/>
+          <a:p>
+            <a:r>
+              <a:rPr lang="en-US" sz="2000" dirty="0">
+                <a:hlinkClick r:id="rId2"/>
+              </a:rPr>
+              <a:t>DLTE-JavaFullStack-Ankitha-2024/</a:t>
+            </a:r>
+            <a:r>
+              <a:rPr lang="en-US" sz="2000" dirty="0" err="1">
+                <a:hlinkClick r:id="rId2"/>
+              </a:rPr>
+              <a:t>MyBank</a:t>
+            </a:r>
+            <a:r>
+              <a:rPr lang="en-US" sz="2000" dirty="0">
+                <a:hlinkClick r:id="rId2"/>
+              </a:rPr>
+              <a:t> Project at master · Ankitha30/DLTE-JavaFullStack-Ankitha-2024 (github.com)</a:t>
+            </a:r>
+            <a:endParaRPr lang="en-US" sz="2000" dirty="0"/>
+          </a:p>
+        </p:txBody>
+      </p:sp>
     </p:spTree>
     <p:extLst>
       <p:ext uri="{BB962C8B-B14F-4D97-AF65-F5344CB8AC3E}">
-        <p14:creationId xmlns:p14="http://schemas.microsoft.com/office/powerpoint/2010/main" val="1976754"/>
+        <p14:creationId xmlns:p14="http://schemas.microsoft.com/office/powerpoint/2010/main" val="2753996800"/>
       </p:ext>
     </p:extLst>
   </p:cSld>
